--- a/reports/fire/2024_03_14_Fire_inTSR.pptx
+++ b/reports/fire/2024_03_14_Fire_inTSR.pptx
@@ -2187,7 +2187,18 @@
           <a:bodyPr/>
           <a:lstStyle/>
           <a:p>
-            <a:endParaRPr lang="en-US"/>
+            <a:r>
+              <a:rPr lang="en-US" dirty="0"/>
+              <a:t>For lightning cause fires only at 10 km grid between 2009 and 2022 for the various fire </a:t>
+            </a:r>
+            <a:r>
+              <a:rPr lang="en-US" dirty="0" err="1"/>
+              <a:t>centres</a:t>
+            </a:r>
+            <a:r>
+              <a:rPr lang="en-US" dirty="0"/>
+              <a:t>. </a:t>
+            </a:r>
           </a:p>
         </p:txBody>
       </p:sp>
@@ -2295,7 +2306,10 @@
           <a:bodyPr/>
           <a:lstStyle/>
           <a:p>
-            <a:endParaRPr lang="en-US"/>
+            <a:r>
+              <a:rPr lang="en-US" dirty="0"/>
+              <a:t>observed and predicted time series of fire occurrence using the fire occurrence and fire size model for the years 2009 to 2022. The blue line is the prediction with 95% range in the simulation as dashed lines and the red lines are observed. </a:t>
+            </a:r>
           </a:p>
         </p:txBody>
       </p:sp>
@@ -2511,7 +2525,22 @@
           <a:bodyPr/>
           <a:lstStyle/>
           <a:p>
-            <a:endParaRPr lang="en-US"/>
+            <a:r>
+              <a:rPr lang="en-US" dirty="0" err="1"/>
+              <a:t>PPT_sm</a:t>
+            </a:r>
+            <a:r>
+              <a:rPr lang="en-US" dirty="0"/>
+              <a:t> is the total precipitation falling between May and September; CMI is the climate moisture index; # ignitions are the predicted ignition rate from the </a:t>
+            </a:r>
+            <a:r>
+              <a:rPr lang="en-US" dirty="0" err="1"/>
+              <a:t>poisson</a:t>
+            </a:r>
+            <a:r>
+              <a:rPr lang="en-US" dirty="0"/>
+              <a:t> process; CON is the log transformed area that conifer ( &gt; 8 m2/ha basal area and leading species conifer &gt; 75%);  CMI_PROV is the provincial average CMI; TEMP_MAX is the maximum temperature between May and September.  Figure to the left: in the top panel are the two Weibull fitted distributions with mixing probabilities for the year 2018; bottom panel is the observed fire size empirical cumulative distribution function and the red is the fitted two Weibull mixture with 95% confidence intervals in dashed lines. Figure to the right: observed and predicted time series of annual area burnt using the fire occurrence and fire size model for the years 2009 to 2022. The blue line is the prediction with 95% range in the simulation as dashed lines and the red lines are observed. </a:t>
+            </a:r>
           </a:p>
         </p:txBody>
       </p:sp>
@@ -10645,7 +10674,7 @@
         <p:spPr>
           <a:xfrm>
             <a:off x="781493" y="1547201"/>
-            <a:ext cx="5314507" cy="1477328"/>
+            <a:ext cx="5314507" cy="1754326"/>
           </a:xfrm>
           <a:prstGeom prst="rect">
             <a:avLst/>
@@ -10663,7 +10692,7 @@
               <a:buChar char="•"/>
             </a:pPr>
             <a:r>
-              <a:rPr lang="en-US"/>
+              <a:rPr lang="en-US" dirty="0"/>
               <a:t>GLMM inhomogeneous Poisson process model</a:t>
             </a:r>
           </a:p>
@@ -10673,7 +10702,7 @@
               <a:buChar char="•"/>
             </a:pPr>
             <a:r>
-              <a:rPr lang="en-US"/>
+              <a:rPr lang="en-US" dirty="0"/>
               <a:t>Province wide, 10 x 10km grid</a:t>
             </a:r>
           </a:p>
@@ -10682,11 +10711,14 @@
               <a:buFont typeface="Arial" panose="020B0604020202020204" pitchFamily="34" charset="0"/>
               <a:buChar char="•"/>
             </a:pPr>
-            <a:endParaRPr lang="en-US"/>
-          </a:p>
-          <a:p>
-            <a:r>
-              <a:rPr lang="en-US" sz="1800" b="0" i="0">
+            <a:r>
+              <a:rPr lang="en-US" dirty="0"/>
+              <a:t>Climate, landcover and a spatially varying parameter (u)</a:t>
+            </a:r>
+          </a:p>
+          <a:p>
+            <a:r>
+              <a:rPr lang="en-US" sz="1800" b="0" i="0" dirty="0">
                 <a:solidFill>
                   <a:srgbClr val="000000"/>
                 </a:solidFill>
@@ -10695,7 +10727,7 @@
               </a:rPr>
               <a:t>Number of ignitions ~ int + CMI_MIN + dCMI3yr + CMI_PROV  + FRT +  CON + YOUNG + DEC + u</a:t>
             </a:r>
-            <a:endParaRPr lang="en-US"/>
+            <a:endParaRPr lang="en-US" dirty="0"/>
           </a:p>
         </p:txBody>
       </p:sp>
@@ -10888,7 +10920,7 @@
         <p:spPr>
           <a:xfrm>
             <a:off x="781493" y="1547201"/>
-            <a:ext cx="5314507" cy="1477328"/>
+            <a:ext cx="5314507" cy="1754326"/>
           </a:xfrm>
           <a:prstGeom prst="rect">
             <a:avLst/>
@@ -10906,7 +10938,7 @@
               <a:buChar char="•"/>
             </a:pPr>
             <a:r>
-              <a:rPr lang="en-US"/>
+              <a:rPr lang="en-US" dirty="0"/>
               <a:t>GLMM inhomogeneous Poisson process model</a:t>
             </a:r>
           </a:p>
@@ -10916,7 +10948,7 @@
               <a:buChar char="•"/>
             </a:pPr>
             <a:r>
-              <a:rPr lang="en-US"/>
+              <a:rPr lang="en-US" dirty="0"/>
               <a:t>Province wide, 10 x 10km grid</a:t>
             </a:r>
           </a:p>
@@ -10925,11 +10957,14 @@
               <a:buFont typeface="Arial" panose="020B0604020202020204" pitchFamily="34" charset="0"/>
               <a:buChar char="•"/>
             </a:pPr>
-            <a:endParaRPr lang="en-US"/>
-          </a:p>
-          <a:p>
-            <a:r>
-              <a:rPr lang="en-US" sz="1800" b="0" i="0">
+            <a:r>
+              <a:rPr lang="en-US" dirty="0"/>
+              <a:t>Climate, landcover and a spatially varying parameter (u)</a:t>
+            </a:r>
+          </a:p>
+          <a:p>
+            <a:r>
+              <a:rPr lang="en-US" sz="1800" b="0" i="0" dirty="0">
                 <a:solidFill>
                   <a:srgbClr val="000000"/>
                 </a:solidFill>
@@ -10938,7 +10973,7 @@
               </a:rPr>
               <a:t>Number of ignitions ~ int + CMI_MIN + dCMI3yr + CMI_PROV  + FRT +  CON + YOUNG + DEC + u</a:t>
             </a:r>
-            <a:endParaRPr lang="en-US"/>
+            <a:endParaRPr lang="en-US" dirty="0"/>
           </a:p>
         </p:txBody>
       </p:sp>
@@ -11575,7 +11610,7 @@
         <p:spPr>
           <a:xfrm>
             <a:off x="891570" y="1498792"/>
-            <a:ext cx="9802934" cy="2031325"/>
+            <a:ext cx="9802934" cy="2308324"/>
           </a:xfrm>
           <a:prstGeom prst="rect">
             <a:avLst/>
@@ -11589,13 +11624,13 @@
           <a:lstStyle/>
           <a:p>
             <a:r>
-              <a:rPr lang="en-US"/>
+              <a:rPr lang="en-US" dirty="0"/>
               <a:t>Generalized additive model with a mixture of two Weibull distributions (finite mixture model)</a:t>
             </a:r>
           </a:p>
           <a:p>
             <a:r>
-              <a:rPr lang="en-US">
+              <a:rPr lang="en-US" dirty="0">
                 <a:solidFill>
                   <a:srgbClr val="000000"/>
                 </a:solidFill>
@@ -11604,7 +11639,7 @@
               <a:t>Linear predictor 1</a:t>
             </a:r>
             <a:r>
-              <a:rPr lang="en-US" baseline="30000">
+              <a:rPr lang="en-US" baseline="30000" dirty="0">
                 <a:solidFill>
                   <a:srgbClr val="000000"/>
                 </a:solidFill>
@@ -11613,7 +11648,7 @@
               <a:t>st</a:t>
             </a:r>
             <a:r>
-              <a:rPr lang="en-US">
+              <a:rPr lang="en-US" dirty="0">
                 <a:solidFill>
                   <a:srgbClr val="000000"/>
                 </a:solidFill>
@@ -11622,7 +11657,7 @@
               <a:t> </a:t>
             </a:r>
             <a:r>
-              <a:rPr lang="en-US" err="1">
+              <a:rPr lang="en-US" dirty="0" err="1">
                 <a:solidFill>
                   <a:srgbClr val="000000"/>
                 </a:solidFill>
@@ -11631,7 +11666,7 @@
               <a:t>dist</a:t>
             </a:r>
             <a:r>
-              <a:rPr lang="en-US">
+              <a:rPr lang="en-US" dirty="0">
                 <a:solidFill>
                   <a:srgbClr val="000000"/>
                 </a:solidFill>
@@ -11640,7 +11675,7 @@
               <a:t> ~ int</a:t>
             </a:r>
             <a:r>
-              <a:rPr lang="en-US" b="0" i="0">
+              <a:rPr lang="en-US" b="0" i="0" dirty="0">
                 <a:solidFill>
                   <a:srgbClr val="000000"/>
                 </a:solidFill>
@@ -11652,7 +11687,7 @@
           </a:p>
           <a:p>
             <a:r>
-              <a:rPr lang="en-US">
+              <a:rPr lang="en-US" dirty="0">
                 <a:solidFill>
                   <a:srgbClr val="000000"/>
                 </a:solidFill>
@@ -11661,7 +11696,7 @@
               <a:t>Linear predictor 2</a:t>
             </a:r>
             <a:r>
-              <a:rPr lang="en-US" baseline="30000">
+              <a:rPr lang="en-US" baseline="30000" dirty="0">
                 <a:solidFill>
                   <a:srgbClr val="000000"/>
                 </a:solidFill>
@@ -11670,7 +11705,7 @@
               <a:t>st</a:t>
             </a:r>
             <a:r>
-              <a:rPr lang="en-US">
+              <a:rPr lang="en-US" dirty="0">
                 <a:solidFill>
                   <a:srgbClr val="000000"/>
                 </a:solidFill>
@@ -11679,7 +11714,7 @@
               <a:t> </a:t>
             </a:r>
             <a:r>
-              <a:rPr lang="en-US" err="1">
+              <a:rPr lang="en-US" dirty="0" err="1">
                 <a:solidFill>
                   <a:srgbClr val="000000"/>
                 </a:solidFill>
@@ -11688,16 +11723,37 @@
               <a:t>dist</a:t>
             </a:r>
             <a:r>
-              <a:rPr lang="en-US">
+              <a:rPr lang="en-US" dirty="0">
                 <a:solidFill>
                   <a:srgbClr val="000000"/>
                 </a:solidFill>
                 <a:latin typeface="WordVisi_MSFontService"/>
               </a:rPr>
-              <a:t> ~ int </a:t>
-            </a:r>
-            <a:r>
-              <a:rPr lang="en-US" b="0" i="0">
+              <a:t> ~ int</a:t>
+            </a:r>
+            <a:r>
+              <a:rPr lang="en-US" b="0" i="0" dirty="0">
+                <a:solidFill>
+                  <a:srgbClr val="000000"/>
+                </a:solidFill>
+                <a:effectLst/>
+                <a:latin typeface="WordVisi_MSFontService"/>
+              </a:rPr>
+              <a:t> + PPT_SM + CMI + # ignitions + CON</a:t>
+            </a:r>
+          </a:p>
+          <a:p>
+            <a:r>
+              <a:rPr lang="en-US" dirty="0">
+                <a:solidFill>
+                  <a:srgbClr val="000000"/>
+                </a:solidFill>
+                <a:latin typeface="WordVisi_MSFontService"/>
+              </a:rPr>
+              <a:t>Mixing probabilities pi~ int </a:t>
+            </a:r>
+            <a:r>
+              <a:rPr lang="en-US" b="0" i="0" dirty="0">
                 <a:solidFill>
                   <a:srgbClr val="000000"/>
                 </a:solidFill>
@@ -11708,7 +11764,7 @@
             </a:r>
           </a:p>
           <a:p>
-            <a:endParaRPr lang="en-US" b="0" i="0">
+            <a:endParaRPr lang="en-US" b="0" i="0" dirty="0">
               <a:solidFill>
                 <a:srgbClr val="000000"/>
               </a:solidFill>
@@ -11717,13 +11773,13 @@
             </a:endParaRPr>
           </a:p>
           <a:p>
-            <a:endParaRPr lang="en-US"/>
-          </a:p>
-          <a:p>
-            <a:endParaRPr lang="en-US"/>
-          </a:p>
-          <a:p>
-            <a:endParaRPr lang="en-US"/>
+            <a:endParaRPr lang="en-US" dirty="0"/>
+          </a:p>
+          <a:p>
+            <a:endParaRPr lang="en-US" dirty="0"/>
+          </a:p>
+          <a:p>
+            <a:endParaRPr lang="en-US" dirty="0"/>
           </a:p>
         </p:txBody>
       </p:sp>
